--- a/Assignment4-Presentazione.pptx
+++ b/Assignment4-Presentazione.pptx
@@ -8663,7 +8663,7 @@
           <a:graphicData uri="http://schemas.openxmlformats.org/presentationml/2006/ole">
             <mc:AlternateContent xmlns:mc="http://schemas.openxmlformats.org/markup-compatibility/2006">
               <mc:Choice xmlns:v="urn:schemas-microsoft-com:vml" Requires="v">
-                <p:oleObj spid="_x0000_s1068" name="Image" r:id="rId5" imgW="1269720" imgH="4774320" progId="Photoshop.Image.19">
+                <p:oleObj spid="_x0000_s1065" name="Image" r:id="rId5" imgW="1269720" imgH="4774320" progId="Photoshop.Image.19">
                   <p:embed/>
                 </p:oleObj>
               </mc:Choice>
@@ -15110,7 +15110,7 @@
           <a:graphicData uri="http://schemas.openxmlformats.org/presentationml/2006/ole">
             <mc:AlternateContent xmlns:mc="http://schemas.openxmlformats.org/markup-compatibility/2006">
               <mc:Choice xmlns:v="urn:schemas-microsoft-com:vml" Requires="v">
-                <p:oleObj spid="_x0000_s3095" name="Image" r:id="rId6" imgW="2336400" imgH="1574280" progId="Photoshop.Image.19">
+                <p:oleObj spid="_x0000_s3092" name="Image" r:id="rId6" imgW="2336400" imgH="1574280" progId="Photoshop.Image.19">
                   <p:embed/>
                 </p:oleObj>
               </mc:Choice>
